--- a/Result/Mai-Powerpoint.pptx
+++ b/Result/Mai-Powerpoint.pptx
@@ -305,7 +305,7 @@
   </p:defaultTextStyle>
   <p:extLst>
     <p:ext uri="{EFAFB233-063F-42B5-8137-9DF3F51BA10A}">
-      <p15:sldGuideLst xmlns="" xmlns:p15="http://schemas.microsoft.com/office/powerpoint/2012/main">
+      <p15:sldGuideLst xmlns:p15="http://schemas.microsoft.com/office/powerpoint/2012/main" xmlns="">
         <p15:guide id="1" orient="horz" pos="1620">
           <p15:clr>
             <a:srgbClr val="A4A3A4"/>
@@ -1174,7 +1174,7 @@
     </p:spTree>
     <p:extLst>
       <p:ext uri="{BB962C8B-B14F-4D97-AF65-F5344CB8AC3E}">
-        <p14:creationId xmlns="" xmlns:p14="http://schemas.microsoft.com/office/powerpoint/2010/main" val="907487690"/>
+        <p14:creationId xmlns:p14="http://schemas.microsoft.com/office/powerpoint/2010/main" xmlns="" val="907487690"/>
       </p:ext>
     </p:extLst>
   </p:cSld>
@@ -1283,7 +1283,7 @@
     </p:spTree>
     <p:extLst>
       <p:ext uri="{BB962C8B-B14F-4D97-AF65-F5344CB8AC3E}">
-        <p14:creationId xmlns="" xmlns:p14="http://schemas.microsoft.com/office/powerpoint/2010/main" val="275379150"/>
+        <p14:creationId xmlns:p14="http://schemas.microsoft.com/office/powerpoint/2010/main" xmlns="" val="275379150"/>
       </p:ext>
     </p:extLst>
   </p:cSld>
@@ -1392,7 +1392,7 @@
     </p:spTree>
     <p:extLst>
       <p:ext uri="{BB962C8B-B14F-4D97-AF65-F5344CB8AC3E}">
-        <p14:creationId xmlns="" xmlns:p14="http://schemas.microsoft.com/office/powerpoint/2010/main" val="4149253837"/>
+        <p14:creationId xmlns:p14="http://schemas.microsoft.com/office/powerpoint/2010/main" xmlns="" val="4149253837"/>
       </p:ext>
     </p:extLst>
   </p:cSld>
@@ -12124,27 +12124,7 @@
                 <a:latin typeface="Times New Roman" pitchFamily="18" charset="0"/>
                 <a:cs typeface="Times New Roman" pitchFamily="18" charset="0"/>
               </a:rPr>
-              <a:t> that </a:t>
-            </a:r>
-            <a:r>
-              <a:rPr lang="en-US" sz="1700" dirty="0" smtClean="0">
-                <a:solidFill>
-                  <a:schemeClr val="bg2"/>
-                </a:solidFill>
-                <a:latin typeface="Times New Roman" pitchFamily="18" charset="0"/>
-                <a:cs typeface="Times New Roman" pitchFamily="18" charset="0"/>
-              </a:rPr>
-              <a:t>the kind of contract </a:t>
-            </a:r>
-            <a:r>
-              <a:rPr lang="en-US" sz="1700" dirty="0" smtClean="0">
-                <a:solidFill>
-                  <a:schemeClr val="bg2"/>
-                </a:solidFill>
-                <a:latin typeface="Times New Roman" pitchFamily="18" charset="0"/>
-                <a:cs typeface="Times New Roman" pitchFamily="18" charset="0"/>
-              </a:rPr>
-              <a:t>is the category who have the highest </a:t>
+              <a:t> that the kind of contract is the category who have the highest </a:t>
             </a:r>
             <a:r>
               <a:rPr lang="en-US" sz="1700" dirty="0" err="1" smtClean="0">
@@ -13059,7 +13039,17 @@
                 <a:latin typeface="Times New Roman" pitchFamily="18" charset="0"/>
                 <a:cs typeface="Times New Roman" pitchFamily="18" charset="0"/>
               </a:rPr>
-              <a:t>=</a:t>
+              <a:t>= U</a:t>
+            </a:r>
+            <a:r>
+              <a:rPr lang="en-US" sz="1600" b="1" baseline="-25000" dirty="0" smtClean="0">
+                <a:solidFill>
+                  <a:schemeClr val="bg2"/>
+                </a:solidFill>
+                <a:latin typeface="Times New Roman" pitchFamily="18" charset="0"/>
+                <a:cs typeface="Times New Roman" pitchFamily="18" charset="0"/>
+              </a:rPr>
+              <a:t>0 </a:t>
             </a:r>
             <a:r>
               <a:rPr lang="en-US" sz="1600" b="1" dirty="0" smtClean="0">
@@ -13069,37 +13059,7 @@
                 <a:latin typeface="Times New Roman" pitchFamily="18" charset="0"/>
                 <a:cs typeface="Times New Roman" pitchFamily="18" charset="0"/>
               </a:rPr>
-              <a:t> U</a:t>
-            </a:r>
-            <a:r>
-              <a:rPr lang="en-US" sz="1600" b="1" baseline="-25000" dirty="0" smtClean="0">
-                <a:solidFill>
-                  <a:schemeClr val="bg2"/>
-                </a:solidFill>
-                <a:latin typeface="Times New Roman" pitchFamily="18" charset="0"/>
-                <a:cs typeface="Times New Roman" pitchFamily="18" charset="0"/>
-              </a:rPr>
-              <a:t>0 </a:t>
-            </a:r>
-            <a:r>
-              <a:rPr lang="en-US" sz="1600" b="1" dirty="0" smtClean="0">
-                <a:solidFill>
-                  <a:schemeClr val="bg2"/>
-                </a:solidFill>
-                <a:latin typeface="Times New Roman" pitchFamily="18" charset="0"/>
-                <a:cs typeface="Times New Roman" pitchFamily="18" charset="0"/>
-              </a:rPr>
-              <a:t>*</a:t>
-            </a:r>
-            <a:r>
-              <a:rPr lang="en-US" sz="1600" b="1" dirty="0" smtClean="0">
-                <a:solidFill>
-                  <a:schemeClr val="bg2"/>
-                </a:solidFill>
-                <a:latin typeface="Times New Roman" pitchFamily="18" charset="0"/>
-                <a:cs typeface="Times New Roman" pitchFamily="18" charset="0"/>
-              </a:rPr>
-              <a:t> </a:t>
+              <a:t>* </a:t>
             </a:r>
             <a:r>
               <a:rPr lang="en-US" sz="1600" b="1" dirty="0" err="1" smtClean="0">
@@ -13498,27 +13458,7 @@
                 <a:latin typeface="Times New Roman" pitchFamily="18" charset="0"/>
                 <a:cs typeface="Times New Roman" pitchFamily="18" charset="0"/>
               </a:rPr>
-              <a:t>In </a:t>
-            </a:r>
-            <a:r>
-              <a:rPr lang="en-US" sz="1600" dirty="0" smtClean="0">
-                <a:solidFill>
-                  <a:schemeClr val="bg2"/>
-                </a:solidFill>
-                <a:latin typeface="Times New Roman" pitchFamily="18" charset="0"/>
-                <a:cs typeface="Times New Roman" pitchFamily="18" charset="0"/>
-              </a:rPr>
-              <a:t>which time the company will have only one </a:t>
-            </a:r>
-            <a:r>
-              <a:rPr lang="en-US" sz="1600" dirty="0" smtClean="0">
-                <a:solidFill>
-                  <a:schemeClr val="bg2"/>
-                </a:solidFill>
-                <a:latin typeface="Times New Roman" pitchFamily="18" charset="0"/>
-                <a:cs typeface="Times New Roman" pitchFamily="18" charset="0"/>
-              </a:rPr>
-              <a:t>customer (</a:t>
+              <a:t>In which time the company will have only one customer (</a:t>
             </a:r>
             <a:r>
               <a:rPr lang="fr-FR" sz="1600" dirty="0" smtClean="0">
@@ -13585,8 +13525,23 @@
                 <a:latin typeface="Times New Roman" pitchFamily="18" charset="0"/>
                 <a:cs typeface="Times New Roman" pitchFamily="18" charset="0"/>
               </a:rPr>
-              <a:t>n=</a:t>
-            </a:r>
+              <a:t>n= | -28.72552617| =&gt; </a:t>
+            </a:r>
+            <a:r>
+              <a:rPr lang="en-US" sz="1600" b="1" dirty="0" smtClean="0">
+                <a:solidFill>
+                  <a:schemeClr val="bg2"/>
+                </a:solidFill>
+                <a:latin typeface="Times New Roman" pitchFamily="18" charset="0"/>
+                <a:cs typeface="Times New Roman" pitchFamily="18" charset="0"/>
+              </a:rPr>
+              <a:t>n=28 months 21  days  18 hours 22 minutes 43 sec</a:t>
+            </a:r>
+          </a:p>
+          <a:p>
+            <a:pPr>
+              <a:buNone/>
+            </a:pPr>
             <a:r>
               <a:rPr lang="en-US" sz="1600" dirty="0" smtClean="0">
                 <a:solidFill>
@@ -13595,62 +13550,7 @@
                 <a:latin typeface="Times New Roman" pitchFamily="18" charset="0"/>
                 <a:cs typeface="Times New Roman" pitchFamily="18" charset="0"/>
               </a:rPr>
-              <a:t> | </a:t>
-            </a:r>
-            <a:r>
-              <a:rPr lang="en-US" sz="1600" dirty="0" smtClean="0">
-                <a:solidFill>
-                  <a:schemeClr val="bg2"/>
-                </a:solidFill>
-                <a:latin typeface="Times New Roman" pitchFamily="18" charset="0"/>
-                <a:cs typeface="Times New Roman" pitchFamily="18" charset="0"/>
-              </a:rPr>
-              <a:t>-28.72552617| =&gt; </a:t>
-            </a:r>
-            <a:r>
-              <a:rPr lang="en-US" sz="1600" b="1" dirty="0" smtClean="0">
-                <a:solidFill>
-                  <a:schemeClr val="bg2"/>
-                </a:solidFill>
-                <a:latin typeface="Times New Roman" pitchFamily="18" charset="0"/>
-                <a:cs typeface="Times New Roman" pitchFamily="18" charset="0"/>
-              </a:rPr>
-              <a:t>n=28 months 21  days  18 hours 22 minutes 43 sec</a:t>
-            </a:r>
-          </a:p>
-          <a:p>
-            <a:pPr>
-              <a:buNone/>
-            </a:pPr>
-            <a:r>
-              <a:rPr lang="en-US" sz="1600" dirty="0" smtClean="0">
-                <a:solidFill>
-                  <a:schemeClr val="bg2"/>
-                </a:solidFill>
-                <a:latin typeface="Times New Roman" pitchFamily="18" charset="0"/>
-                <a:cs typeface="Times New Roman" pitchFamily="18" charset="0"/>
-              </a:rPr>
-              <a:t>In </a:t>
-            </a:r>
-            <a:r>
-              <a:rPr lang="en-US" sz="1600" dirty="0" smtClean="0">
-                <a:solidFill>
-                  <a:schemeClr val="bg2"/>
-                </a:solidFill>
-                <a:latin typeface="Times New Roman" pitchFamily="18" charset="0"/>
-                <a:cs typeface="Times New Roman" pitchFamily="18" charset="0"/>
-              </a:rPr>
-              <a:t>28 months the company will have only one customer, we can assume that in an additional month it will not have any </a:t>
-            </a:r>
-            <a:r>
-              <a:rPr lang="en-US" sz="1600" dirty="0" smtClean="0">
-                <a:solidFill>
-                  <a:schemeClr val="bg2"/>
-                </a:solidFill>
-                <a:latin typeface="Times New Roman" pitchFamily="18" charset="0"/>
-                <a:cs typeface="Times New Roman" pitchFamily="18" charset="0"/>
-              </a:rPr>
-              <a:t>more.</a:t>
+              <a:t>In 28 months the company will have only one customer, we can assume that in an additional month it will not have any more.</a:t>
             </a:r>
           </a:p>
           <a:p>
@@ -13679,29 +13579,8 @@
                 <a:latin typeface="Times New Roman" pitchFamily="18" charset="0"/>
                 <a:cs typeface="Times New Roman" pitchFamily="18" charset="0"/>
               </a:rPr>
-              <a:t>Demographics </a:t>
-            </a:r>
-            <a:r>
-              <a:rPr lang="en-US" sz="1600" b="1" i="1" dirty="0" smtClean="0">
-                <a:solidFill>
-                  <a:schemeClr val="tx1">
-                    <a:lumMod val="75000"/>
-                  </a:schemeClr>
-                </a:solidFill>
-                <a:latin typeface="Times New Roman" pitchFamily="18" charset="0"/>
-                <a:cs typeface="Times New Roman" pitchFamily="18" charset="0"/>
-              </a:rPr>
-              <a:t>say they will first lose all young clients who do not have a partner and are not dependent</a:t>
-            </a:r>
-            <a:endParaRPr lang="en-US" sz="1600" b="1" i="1" dirty="0" smtClean="0">
-              <a:solidFill>
-                <a:schemeClr val="tx1">
-                  <a:lumMod val="75000"/>
-                </a:schemeClr>
-              </a:solidFill>
-              <a:latin typeface="Times New Roman" pitchFamily="18" charset="0"/>
-              <a:cs typeface="Times New Roman" pitchFamily="18" charset="0"/>
-            </a:endParaRPr>
+              <a:t>Demographics say they will first lose all young clients who do not have a partner and are not dependent</a:t>
+            </a:r>
           </a:p>
           <a:p>
             <a:pPr>
@@ -13778,18 +13657,7 @@
                 </a:solidFill>
                 <a:latin typeface="Pristina" pitchFamily="66" charset="0"/>
               </a:rPr>
-              <a:t>6. Discussion </a:t>
-            </a:r>
-            <a:r>
-              <a:rPr lang="en" sz="3200" dirty="0" smtClean="0">
-                <a:solidFill>
-                  <a:schemeClr val="accent3">
-                    <a:lumMod val="75000"/>
-                  </a:schemeClr>
-                </a:solidFill>
-                <a:latin typeface="Pristina" pitchFamily="66" charset="0"/>
-              </a:rPr>
-              <a:t>&amp; Recommendations</a:t>
+              <a:t>6. Discussion &amp; Recommendations</a:t>
             </a:r>
             <a:endParaRPr lang="en-US" sz="3200" dirty="0">
               <a:solidFill>
@@ -13862,18 +13730,7 @@
                 </a:solidFill>
                 <a:latin typeface="Pristina" pitchFamily="66" charset="0"/>
               </a:rPr>
-              <a:t>Proposed </a:t>
-            </a:r>
-            <a:r>
-              <a:rPr lang="en" sz="2800" dirty="0" smtClean="0">
-                <a:solidFill>
-                  <a:schemeClr val="tx1">
-                    <a:lumMod val="75000"/>
-                  </a:schemeClr>
-                </a:solidFill>
-                <a:latin typeface="Pristina" pitchFamily="66" charset="0"/>
-              </a:rPr>
-              <a:t>solution</a:t>
+              <a:t>Proposed solution</a:t>
             </a:r>
             <a:endParaRPr lang="en-US" sz="2400" dirty="0">
               <a:solidFill>
@@ -13917,37 +13774,7 @@
                 <a:latin typeface="Times New Roman" pitchFamily="18" charset="0"/>
                 <a:cs typeface="Times New Roman" pitchFamily="18" charset="0"/>
               </a:rPr>
-              <a:t>Young people represent the largest part of the company's client population. Solutions should take this into account</a:t>
-            </a:r>
-            <a:r>
-              <a:rPr lang="en-US" sz="1600" dirty="0" smtClean="0">
-                <a:solidFill>
-                  <a:schemeClr val="bg2"/>
-                </a:solidFill>
-                <a:latin typeface="Times New Roman" pitchFamily="18" charset="0"/>
-                <a:cs typeface="Times New Roman" pitchFamily="18" charset="0"/>
-              </a:rPr>
-              <a:t>. </a:t>
-            </a:r>
-            <a:r>
-              <a:rPr lang="en-US" sz="1600" dirty="0" smtClean="0">
-                <a:solidFill>
-                  <a:schemeClr val="bg2"/>
-                </a:solidFill>
-                <a:latin typeface="Times New Roman" pitchFamily="18" charset="0"/>
-                <a:cs typeface="Times New Roman" pitchFamily="18" charset="0"/>
-              </a:rPr>
-              <a:t>The company should </a:t>
-            </a:r>
-            <a:r>
-              <a:rPr lang="en-US" sz="1600" dirty="0" smtClean="0">
-                <a:solidFill>
-                  <a:schemeClr val="bg2"/>
-                </a:solidFill>
-                <a:latin typeface="Times New Roman" pitchFamily="18" charset="0"/>
-                <a:cs typeface="Times New Roman" pitchFamily="18" charset="0"/>
-              </a:rPr>
-              <a:t>:</a:t>
+              <a:t>Young people represent the largest part of the company's client population. Solutions should take this into account. The company should :</a:t>
             </a:r>
           </a:p>
           <a:p>
@@ -13963,37 +13790,7 @@
                 <a:latin typeface="Times New Roman" pitchFamily="18" charset="0"/>
                 <a:cs typeface="Times New Roman" pitchFamily="18" charset="0"/>
               </a:rPr>
-              <a:t>P</a:t>
-            </a:r>
-            <a:r>
-              <a:rPr lang="en-US" sz="1600" dirty="0" smtClean="0">
-                <a:solidFill>
-                  <a:schemeClr val="bg2"/>
-                </a:solidFill>
-                <a:latin typeface="Times New Roman" pitchFamily="18" charset="0"/>
-                <a:cs typeface="Times New Roman" pitchFamily="18" charset="0"/>
-              </a:rPr>
-              <a:t>ut </a:t>
-            </a:r>
-            <a:r>
-              <a:rPr lang="en-US" sz="1600" dirty="0" smtClean="0">
-                <a:solidFill>
-                  <a:schemeClr val="bg2"/>
-                </a:solidFill>
-                <a:latin typeface="Times New Roman" pitchFamily="18" charset="0"/>
-                <a:cs typeface="Times New Roman" pitchFamily="18" charset="0"/>
-              </a:rPr>
-              <a:t>a tempting plan to retain these young addicted to technology and always connected to the internet</a:t>
-            </a:r>
-            <a:r>
-              <a:rPr lang="en-US" sz="1600" dirty="0" smtClean="0">
-                <a:solidFill>
-                  <a:schemeClr val="bg2"/>
-                </a:solidFill>
-                <a:latin typeface="Times New Roman" pitchFamily="18" charset="0"/>
-                <a:cs typeface="Times New Roman" pitchFamily="18" charset="0"/>
-              </a:rPr>
-              <a:t>.</a:t>
+              <a:t>Put a tempting plan to retain these young addicted to technology and always connected to the internet.</a:t>
             </a:r>
           </a:p>
           <a:p>
@@ -14009,27 +13806,7 @@
                 <a:latin typeface="Times New Roman" pitchFamily="18" charset="0"/>
                 <a:cs typeface="Times New Roman" pitchFamily="18" charset="0"/>
               </a:rPr>
-              <a:t>They </a:t>
-            </a:r>
-            <a:r>
-              <a:rPr lang="en-US" sz="1600" dirty="0" smtClean="0">
-                <a:solidFill>
-                  <a:schemeClr val="bg2"/>
-                </a:solidFill>
-                <a:latin typeface="Times New Roman" pitchFamily="18" charset="0"/>
-                <a:cs typeface="Times New Roman" pitchFamily="18" charset="0"/>
-              </a:rPr>
-              <a:t>should cancel the monthly </a:t>
-            </a:r>
-            <a:r>
-              <a:rPr lang="en-US" sz="1600" dirty="0" smtClean="0">
-                <a:solidFill>
-                  <a:schemeClr val="bg2"/>
-                </a:solidFill>
-                <a:latin typeface="Times New Roman" pitchFamily="18" charset="0"/>
-                <a:cs typeface="Times New Roman" pitchFamily="18" charset="0"/>
-              </a:rPr>
-              <a:t>contracts and focus on the </a:t>
+              <a:t>They should cancel the monthly contracts and focus on the </a:t>
             </a:r>
             <a:r>
               <a:rPr lang="en-US" sz="1600" dirty="0" err="1" smtClean="0">
@@ -14065,27 +13842,7 @@
                 <a:latin typeface="Times New Roman" pitchFamily="18" charset="0"/>
                 <a:cs typeface="Times New Roman" pitchFamily="18" charset="0"/>
               </a:rPr>
-              <a:t>Establish </a:t>
-            </a:r>
-            <a:r>
-              <a:rPr lang="en-US" sz="1600" dirty="0" smtClean="0">
-                <a:solidFill>
-                  <a:schemeClr val="bg2"/>
-                </a:solidFill>
-                <a:latin typeface="Times New Roman" pitchFamily="18" charset="0"/>
-                <a:cs typeface="Times New Roman" pitchFamily="18" charset="0"/>
-              </a:rPr>
-              <a:t>more direct contact with </a:t>
-            </a:r>
-            <a:r>
-              <a:rPr lang="en-US" sz="1600" dirty="0" smtClean="0">
-                <a:solidFill>
-                  <a:schemeClr val="bg2"/>
-                </a:solidFill>
-                <a:latin typeface="Times New Roman" pitchFamily="18" charset="0"/>
-                <a:cs typeface="Times New Roman" pitchFamily="18" charset="0"/>
-              </a:rPr>
-              <a:t>customers</a:t>
+              <a:t>Establish more direct contact with customers</a:t>
             </a:r>
           </a:p>
           <a:p>
@@ -14101,25 +13858,8 @@
                 <a:latin typeface="Times New Roman" pitchFamily="18" charset="0"/>
                 <a:cs typeface="Times New Roman" pitchFamily="18" charset="0"/>
               </a:rPr>
-              <a:t>Review </a:t>
-            </a:r>
-            <a:r>
-              <a:rPr lang="en-US" sz="1600" dirty="0" smtClean="0">
-                <a:solidFill>
-                  <a:schemeClr val="bg2"/>
-                </a:solidFill>
-                <a:latin typeface="Times New Roman" pitchFamily="18" charset="0"/>
-                <a:cs typeface="Times New Roman" pitchFamily="18" charset="0"/>
-              </a:rPr>
-              <a:t>the marketing department</a:t>
-            </a:r>
-            <a:endParaRPr lang="en-US" sz="1600" dirty="0" smtClean="0">
-              <a:solidFill>
-                <a:schemeClr val="bg2"/>
-              </a:solidFill>
-              <a:latin typeface="Times New Roman" pitchFamily="18" charset="0"/>
-              <a:cs typeface="Times New Roman" pitchFamily="18" charset="0"/>
-            </a:endParaRPr>
+              <a:t>Review the marketing department</a:t>
+            </a:r>
           </a:p>
           <a:p>
             <a:pPr>
@@ -14198,18 +13938,7 @@
                 </a:solidFill>
                 <a:latin typeface="Pristina" pitchFamily="66" charset="0"/>
               </a:rPr>
-              <a:t>B. the </a:t>
-            </a:r>
-            <a:r>
-              <a:rPr lang="en-US" sz="2800" dirty="0" smtClean="0">
-                <a:solidFill>
-                  <a:schemeClr val="tx1">
-                    <a:lumMod val="75000"/>
-                  </a:schemeClr>
-                </a:solidFill>
-                <a:latin typeface="Pristina" pitchFamily="66" charset="0"/>
-              </a:rPr>
-              <a:t>exploited forces</a:t>
+              <a:t>B. the exploited forces</a:t>
             </a:r>
             <a:endParaRPr lang="en-US" sz="2800" dirty="0">
               <a:solidFill>
@@ -14254,7 +13983,17 @@
                 <a:latin typeface="Times New Roman" pitchFamily="18" charset="0"/>
                 <a:cs typeface="Times New Roman" pitchFamily="18" charset="0"/>
               </a:rPr>
-              <a:t>Young </a:t>
+              <a:t>Young people is one of the force that the company can </a:t>
+            </a:r>
+            <a:r>
+              <a:rPr lang="en-US" sz="1600" dirty="0" err="1" smtClean="0">
+                <a:solidFill>
+                  <a:schemeClr val="bg2"/>
+                </a:solidFill>
+                <a:latin typeface="Times New Roman" pitchFamily="18" charset="0"/>
+                <a:cs typeface="Times New Roman" pitchFamily="18" charset="0"/>
+              </a:rPr>
+              <a:t>exploite</a:t>
             </a:r>
             <a:r>
               <a:rPr lang="en-US" sz="1600" dirty="0" smtClean="0">
@@ -14264,7 +14003,7 @@
                 <a:latin typeface="Times New Roman" pitchFamily="18" charset="0"/>
                 <a:cs typeface="Times New Roman" pitchFamily="18" charset="0"/>
               </a:rPr>
-              <a:t>people is one of the force that the company can </a:t>
+              <a:t>.  They are known to be snobbish and attracted to all internet, the company can </a:t>
             </a:r>
             <a:r>
               <a:rPr lang="en-US" sz="1600" dirty="0" err="1" smtClean="0">
@@ -14284,7 +14023,17 @@
                 <a:latin typeface="Times New Roman" pitchFamily="18" charset="0"/>
                 <a:cs typeface="Times New Roman" pitchFamily="18" charset="0"/>
               </a:rPr>
-              <a:t>. </a:t>
+              <a:t> that in study the </a:t>
+            </a:r>
+            <a:r>
+              <a:rPr lang="en-US" sz="1600" dirty="0" err="1" smtClean="0">
+                <a:solidFill>
+                  <a:schemeClr val="bg2"/>
+                </a:solidFill>
+                <a:latin typeface="Times New Roman" pitchFamily="18" charset="0"/>
+                <a:cs typeface="Times New Roman" pitchFamily="18" charset="0"/>
+              </a:rPr>
+              <a:t>offerts</a:t>
             </a:r>
             <a:r>
               <a:rPr lang="en-US" sz="1600" dirty="0" smtClean="0">
@@ -14294,7 +14043,17 @@
                 <a:latin typeface="Times New Roman" pitchFamily="18" charset="0"/>
                 <a:cs typeface="Times New Roman" pitchFamily="18" charset="0"/>
               </a:rPr>
-              <a:t> </a:t>
+              <a:t> of the </a:t>
+            </a:r>
+            <a:r>
+              <a:rPr lang="en-US" sz="1600" dirty="0" err="1" smtClean="0">
+                <a:solidFill>
+                  <a:schemeClr val="bg2"/>
+                </a:solidFill>
+                <a:latin typeface="Times New Roman" pitchFamily="18" charset="0"/>
+                <a:cs typeface="Times New Roman" pitchFamily="18" charset="0"/>
+              </a:rPr>
+              <a:t>concurency</a:t>
             </a:r>
             <a:r>
               <a:rPr lang="en-US" sz="1600" dirty="0" smtClean="0">
@@ -14304,127 +14063,7 @@
                 <a:latin typeface="Times New Roman" pitchFamily="18" charset="0"/>
                 <a:cs typeface="Times New Roman" pitchFamily="18" charset="0"/>
               </a:rPr>
-              <a:t>They are </a:t>
-            </a:r>
-            <a:r>
-              <a:rPr lang="en-US" sz="1600" dirty="0" smtClean="0">
-                <a:solidFill>
-                  <a:schemeClr val="bg2"/>
-                </a:solidFill>
-                <a:latin typeface="Times New Roman" pitchFamily="18" charset="0"/>
-                <a:cs typeface="Times New Roman" pitchFamily="18" charset="0"/>
-              </a:rPr>
-              <a:t>known to be snobbish and attracted to all </a:t>
-            </a:r>
-            <a:r>
-              <a:rPr lang="en-US" sz="1600" dirty="0" smtClean="0">
-                <a:solidFill>
-                  <a:schemeClr val="bg2"/>
-                </a:solidFill>
-                <a:latin typeface="Times New Roman" pitchFamily="18" charset="0"/>
-                <a:cs typeface="Times New Roman" pitchFamily="18" charset="0"/>
-              </a:rPr>
-              <a:t>internet, the company can </a:t>
-            </a:r>
-            <a:r>
-              <a:rPr lang="en-US" sz="1600" dirty="0" err="1" smtClean="0">
-                <a:solidFill>
-                  <a:schemeClr val="bg2"/>
-                </a:solidFill>
-                <a:latin typeface="Times New Roman" pitchFamily="18" charset="0"/>
-                <a:cs typeface="Times New Roman" pitchFamily="18" charset="0"/>
-              </a:rPr>
-              <a:t>exploite</a:t>
-            </a:r>
-            <a:r>
-              <a:rPr lang="en-US" sz="1600" dirty="0" smtClean="0">
-                <a:solidFill>
-                  <a:schemeClr val="bg2"/>
-                </a:solidFill>
-                <a:latin typeface="Times New Roman" pitchFamily="18" charset="0"/>
-                <a:cs typeface="Times New Roman" pitchFamily="18" charset="0"/>
-              </a:rPr>
-              <a:t> that in study the </a:t>
-            </a:r>
-            <a:r>
-              <a:rPr lang="en-US" sz="1600" dirty="0" err="1" smtClean="0">
-                <a:solidFill>
-                  <a:schemeClr val="bg2"/>
-                </a:solidFill>
-                <a:latin typeface="Times New Roman" pitchFamily="18" charset="0"/>
-                <a:cs typeface="Times New Roman" pitchFamily="18" charset="0"/>
-              </a:rPr>
-              <a:t>offerts</a:t>
-            </a:r>
-            <a:r>
-              <a:rPr lang="en-US" sz="1600" dirty="0" smtClean="0">
-                <a:solidFill>
-                  <a:schemeClr val="bg2"/>
-                </a:solidFill>
-                <a:latin typeface="Times New Roman" pitchFamily="18" charset="0"/>
-                <a:cs typeface="Times New Roman" pitchFamily="18" charset="0"/>
-              </a:rPr>
-              <a:t> of the </a:t>
-            </a:r>
-            <a:r>
-              <a:rPr lang="en-US" sz="1600" dirty="0" err="1" smtClean="0">
-                <a:solidFill>
-                  <a:schemeClr val="bg2"/>
-                </a:solidFill>
-                <a:latin typeface="Times New Roman" pitchFamily="18" charset="0"/>
-                <a:cs typeface="Times New Roman" pitchFamily="18" charset="0"/>
-              </a:rPr>
-              <a:t>concurency</a:t>
-            </a:r>
-            <a:r>
-              <a:rPr lang="en-US" sz="1600" dirty="0" smtClean="0">
-                <a:solidFill>
-                  <a:schemeClr val="bg2"/>
-                </a:solidFill>
-                <a:latin typeface="Times New Roman" pitchFamily="18" charset="0"/>
-                <a:cs typeface="Times New Roman" pitchFamily="18" charset="0"/>
-              </a:rPr>
-              <a:t> in view to make a </a:t>
-            </a:r>
-            <a:r>
-              <a:rPr lang="en-US" sz="1600" dirty="0" smtClean="0">
-                <a:solidFill>
-                  <a:schemeClr val="bg2"/>
-                </a:solidFill>
-                <a:latin typeface="Times New Roman" pitchFamily="18" charset="0"/>
-                <a:cs typeface="Times New Roman" pitchFamily="18" charset="0"/>
-              </a:rPr>
-              <a:t>better offer to </a:t>
-            </a:r>
-            <a:r>
-              <a:rPr lang="en-US" sz="1600" dirty="0" smtClean="0">
-                <a:solidFill>
-                  <a:schemeClr val="bg2"/>
-                </a:solidFill>
-                <a:latin typeface="Times New Roman" pitchFamily="18" charset="0"/>
-                <a:cs typeface="Times New Roman" pitchFamily="18" charset="0"/>
-              </a:rPr>
-              <a:t>retain </a:t>
-            </a:r>
-            <a:r>
-              <a:rPr lang="en-US" sz="1600" dirty="0" smtClean="0">
-                <a:solidFill>
-                  <a:schemeClr val="bg2"/>
-                </a:solidFill>
-                <a:latin typeface="Times New Roman" pitchFamily="18" charset="0"/>
-                <a:cs typeface="Times New Roman" pitchFamily="18" charset="0"/>
-              </a:rPr>
-              <a:t>customers and attract </a:t>
-            </a:r>
-            <a:r>
-              <a:rPr lang="en-US" sz="1600" dirty="0" smtClean="0">
-                <a:solidFill>
-                  <a:schemeClr val="bg2"/>
-                </a:solidFill>
-                <a:latin typeface="Times New Roman" pitchFamily="18" charset="0"/>
-                <a:cs typeface="Times New Roman" pitchFamily="18" charset="0"/>
-              </a:rPr>
-              <a:t>others.</a:t>
+              <a:t> in view to make a better offer to retain customers and attract others.</a:t>
             </a:r>
           </a:p>
           <a:p>
@@ -14440,27 +14079,7 @@
                 <a:latin typeface="Times New Roman" pitchFamily="18" charset="0"/>
                 <a:cs typeface="Times New Roman" pitchFamily="18" charset="0"/>
               </a:rPr>
-              <a:t>The variety of services is an other force of the company. It can </a:t>
-            </a:r>
-            <a:r>
-              <a:rPr lang="en-US" sz="1600" dirty="0" smtClean="0">
-                <a:solidFill>
-                  <a:schemeClr val="bg2"/>
-                </a:solidFill>
-                <a:latin typeface="Times New Roman" pitchFamily="18" charset="0"/>
-                <a:cs typeface="Times New Roman" pitchFamily="18" charset="0"/>
-              </a:rPr>
-              <a:t>meet customer needs as much as </a:t>
-            </a:r>
-            <a:r>
-              <a:rPr lang="en-US" sz="1600" dirty="0" smtClean="0">
-                <a:solidFill>
-                  <a:schemeClr val="bg2"/>
-                </a:solidFill>
-                <a:latin typeface="Times New Roman" pitchFamily="18" charset="0"/>
-                <a:cs typeface="Times New Roman" pitchFamily="18" charset="0"/>
-              </a:rPr>
-              <a:t>possible. Customer feel better where he have multiple choice</a:t>
+              <a:t>The variety of services is an other force of the company. It can meet customer needs as much as possible. Customer feel better where he have multiple choice</a:t>
             </a:r>
           </a:p>
           <a:p>
@@ -14566,47 +14185,7 @@
                 <a:latin typeface="Times New Roman" pitchFamily="18" charset="0"/>
                 <a:cs typeface="Times New Roman" pitchFamily="18" charset="0"/>
               </a:rPr>
-              <a:t>The variety of services can be a problem if the company don’t have a staff for each of them who manage them. Every staff supposed to be proposed a kind </a:t>
-            </a:r>
-            <a:r>
-              <a:rPr lang="en-US" sz="1600" dirty="0" smtClean="0">
-                <a:solidFill>
-                  <a:schemeClr val="bg2"/>
-                </a:solidFill>
-                <a:latin typeface="Times New Roman" pitchFamily="18" charset="0"/>
-                <a:cs typeface="Times New Roman" pitchFamily="18" charset="0"/>
-              </a:rPr>
-              <a:t>of plan </a:t>
-            </a:r>
-            <a:r>
-              <a:rPr lang="en-US" sz="1600" dirty="0" smtClean="0">
-                <a:solidFill>
-                  <a:schemeClr val="bg2"/>
-                </a:solidFill>
-                <a:latin typeface="Times New Roman" pitchFamily="18" charset="0"/>
-                <a:cs typeface="Times New Roman" pitchFamily="18" charset="0"/>
-              </a:rPr>
-              <a:t>in </a:t>
-            </a:r>
-            <a:r>
-              <a:rPr lang="en-US" sz="1600" dirty="0" smtClean="0">
-                <a:solidFill>
-                  <a:schemeClr val="bg2"/>
-                </a:solidFill>
-                <a:latin typeface="Times New Roman" pitchFamily="18" charset="0"/>
-                <a:cs typeface="Times New Roman" pitchFamily="18" charset="0"/>
-              </a:rPr>
-              <a:t>view of the proposed </a:t>
-            </a:r>
-            <a:r>
-              <a:rPr lang="en-US" sz="1600" dirty="0" smtClean="0">
-                <a:solidFill>
-                  <a:schemeClr val="bg2"/>
-                </a:solidFill>
-                <a:latin typeface="Times New Roman" pitchFamily="18" charset="0"/>
-                <a:cs typeface="Times New Roman" pitchFamily="18" charset="0"/>
-              </a:rPr>
-              <a:t>solution.</a:t>
+              <a:t>The variety of services can be a problem if the company don’t have a staff for each of them who manage them. Every staff supposed to be proposed a kind of plan in view of the proposed solution.</a:t>
             </a:r>
           </a:p>
           <a:p>
@@ -14622,17 +14201,7 @@
                 <a:latin typeface="Times New Roman" pitchFamily="18" charset="0"/>
                 <a:cs typeface="Times New Roman" pitchFamily="18" charset="0"/>
               </a:rPr>
-              <a:t>The </a:t>
-            </a:r>
-            <a:r>
-              <a:rPr lang="en-US" sz="1600" dirty="0" smtClean="0">
-                <a:solidFill>
-                  <a:schemeClr val="bg2"/>
-                </a:solidFill>
-                <a:latin typeface="Times New Roman" pitchFamily="18" charset="0"/>
-                <a:cs typeface="Times New Roman" pitchFamily="18" charset="0"/>
-              </a:rPr>
-              <a:t>company don’t have a good customer service</a:t>
+              <a:t>The company don’t have a good customer service</a:t>
             </a:r>
             <a:endParaRPr lang="en-US" sz="1600" dirty="0">
               <a:solidFill>
@@ -14693,18 +14262,7 @@
                 </a:solidFill>
                 <a:latin typeface="Pristina" pitchFamily="66" charset="0"/>
               </a:rPr>
-              <a:t>D. </a:t>
-            </a:r>
-            <a:r>
-              <a:rPr lang="en-US" sz="2800" dirty="0" smtClean="0">
-                <a:solidFill>
-                  <a:schemeClr val="tx1">
-                    <a:lumMod val="75000"/>
-                  </a:schemeClr>
-                </a:solidFill>
-                <a:latin typeface="Pristina" pitchFamily="66" charset="0"/>
-              </a:rPr>
-              <a:t>The challenges</a:t>
+              <a:t>D. The challenges</a:t>
             </a:r>
             <a:endParaRPr lang="en-US" sz="2800" dirty="0">
               <a:solidFill>
@@ -14744,27 +14302,7 @@
                 <a:latin typeface="Times New Roman" pitchFamily="18" charset="0"/>
                 <a:cs typeface="Times New Roman" pitchFamily="18" charset="0"/>
               </a:rPr>
-              <a:t>Establish </a:t>
-            </a:r>
-            <a:r>
-              <a:rPr lang="en-US" sz="1600" dirty="0" smtClean="0">
-                <a:solidFill>
-                  <a:schemeClr val="bg2"/>
-                </a:solidFill>
-                <a:latin typeface="Times New Roman" pitchFamily="18" charset="0"/>
-                <a:cs typeface="Times New Roman" pitchFamily="18" charset="0"/>
-              </a:rPr>
-              <a:t>effective and efficient </a:t>
-            </a:r>
-            <a:r>
-              <a:rPr lang="en-US" sz="1600" dirty="0" smtClean="0">
-                <a:solidFill>
-                  <a:schemeClr val="bg2"/>
-                </a:solidFill>
-                <a:latin typeface="Times New Roman" pitchFamily="18" charset="0"/>
-                <a:cs typeface="Times New Roman" pitchFamily="18" charset="0"/>
-              </a:rPr>
-              <a:t>plans</a:t>
+              <a:t>Establish effective and efficient plans</a:t>
             </a:r>
           </a:p>
           <a:p>
@@ -14796,25 +14334,8 @@
                 <a:latin typeface="Times New Roman" pitchFamily="18" charset="0"/>
                 <a:cs typeface="Times New Roman" pitchFamily="18" charset="0"/>
               </a:rPr>
-              <a:t>Increase </a:t>
-            </a:r>
-            <a:r>
-              <a:rPr lang="en-US" sz="1600" dirty="0" smtClean="0">
-                <a:solidFill>
-                  <a:schemeClr val="bg2"/>
-                </a:solidFill>
-                <a:latin typeface="Times New Roman" pitchFamily="18" charset="0"/>
-                <a:cs typeface="Times New Roman" pitchFamily="18" charset="0"/>
-              </a:rPr>
-              <a:t>the number of customers by at least 20% each month</a:t>
-            </a:r>
-            <a:endParaRPr lang="en-US" sz="1600" dirty="0" smtClean="0">
-              <a:solidFill>
-                <a:schemeClr val="bg2"/>
-              </a:solidFill>
-              <a:latin typeface="Times New Roman" pitchFamily="18" charset="0"/>
-              <a:cs typeface="Times New Roman" pitchFamily="18" charset="0"/>
-            </a:endParaRPr>
+              <a:t>Increase the number of customers by at least 20% each month</a:t>
+            </a:r>
           </a:p>
           <a:p>
             <a:pPr>
@@ -14870,6 +14391,30 @@
       </p:grpSpPr>
       <p:pic>
         <p:nvPicPr>
+          <p:cNvPr id="6" name="Image 5" descr="github.png"/>
+          <p:cNvPicPr>
+            <a:picLocks noChangeAspect="1"/>
+          </p:cNvPicPr>
+          <p:nvPr/>
+        </p:nvPicPr>
+        <p:blipFill>
+          <a:blip r:embed="rId3"/>
+          <a:stretch>
+            <a:fillRect/>
+          </a:stretch>
+        </p:blipFill>
+        <p:spPr>
+          <a:xfrm>
+            <a:off x="5739142" y="2961126"/>
+            <a:ext cx="377879" cy="377879"/>
+          </a:xfrm>
+          <a:prstGeom prst="rect">
+            <a:avLst/>
+          </a:prstGeom>
+        </p:spPr>
+      </p:pic>
+      <p:pic>
+        <p:nvPicPr>
           <p:cNvPr id="5" name="Image 4" descr="jup.png"/>
           <p:cNvPicPr>
             <a:picLocks noChangeAspect="1"/>
@@ -14877,7 +14422,7 @@
           <p:nvPr/>
         </p:nvPicPr>
         <p:blipFill>
-          <a:blip r:embed="rId3"/>
+          <a:blip r:embed="rId4"/>
           <a:stretch>
             <a:fillRect/>
           </a:stretch>
@@ -14901,7 +14446,7 @@
           <p:nvPr/>
         </p:nvPicPr>
         <p:blipFill>
-          <a:blip r:embed="rId4"/>
+          <a:blip r:embed="rId5"/>
           <a:stretch>
             <a:fillRect/>
           </a:stretch>
@@ -15037,17 +14582,9 @@
               <a:rPr lang="en-US" sz="1400" dirty="0" smtClean="0">
                 <a:latin typeface="Times New Roman" pitchFamily="18" charset="0"/>
                 <a:cs typeface="Times New Roman" pitchFamily="18" charset="0"/>
-                <a:hlinkClick r:id="rId5"/>
-              </a:rPr>
-              <a:t>http://</a:t>
-            </a:r>
-            <a:r>
-              <a:rPr lang="en-US" sz="1400" dirty="0" smtClean="0">
-                <a:latin typeface="Times New Roman" pitchFamily="18" charset="0"/>
-                <a:cs typeface="Times New Roman" pitchFamily="18" charset="0"/>
-                <a:hlinkClick r:id="rId5"/>
-              </a:rPr>
-              <a:t>localhost:8888/notebooks/Desktop/ChurnAnalysisProject/Output/MaiChurnAnalysis.ipynb</a:t>
+                <a:hlinkClick r:id="rId6"/>
+              </a:rPr>
+              <a:t>http://localhost:8888/notebooks/Desktop/ChurnAnalysisProject/Output/MaiChurnAnalysis.ipynb</a:t>
             </a:r>
             <a:r>
               <a:rPr lang="en-US" sz="1400" dirty="0" smtClean="0">
@@ -15112,31 +14649,9 @@
                 </a:solidFill>
                 <a:latin typeface="Times New Roman" pitchFamily="18" charset="0"/>
                 <a:cs typeface="Times New Roman" pitchFamily="18" charset="0"/>
-                <a:hlinkClick r:id="rId6"/>
-              </a:rPr>
-              <a:t>https</a:t>
-            </a:r>
-            <a:r>
-              <a:rPr lang="en-US" sz="1400" dirty="0" smtClean="0">
-                <a:solidFill>
-                  <a:schemeClr val="bg2"/>
-                </a:solidFill>
-                <a:latin typeface="Times New Roman" pitchFamily="18" charset="0"/>
-                <a:cs typeface="Times New Roman" pitchFamily="18" charset="0"/>
-                <a:hlinkClick r:id="rId6"/>
-              </a:rPr>
-              <a:t>://</a:t>
-            </a:r>
-            <a:r>
-              <a:rPr lang="en-US" sz="1400" dirty="0" smtClean="0">
-                <a:solidFill>
-                  <a:schemeClr val="bg2"/>
-                </a:solidFill>
-                <a:latin typeface="Times New Roman" pitchFamily="18" charset="0"/>
-                <a:cs typeface="Times New Roman" pitchFamily="18" charset="0"/>
-                <a:hlinkClick r:id="rId6"/>
-              </a:rPr>
-              <a:t>www.youtube.com/channel/UCmpptkXu8iIFe6kfDK5o7VQ</a:t>
+                <a:hlinkClick r:id="rId7"/>
+              </a:rPr>
+              <a:t>https://www.youtube.com/channel/UCmpptkXu8iIFe6kfDK5o7VQ</a:t>
             </a:r>
             <a:endParaRPr lang="en-US" sz="1400" dirty="0" smtClean="0">
               <a:solidFill>
@@ -15176,6 +14691,38 @@
                 <a:cs typeface="Times New Roman" pitchFamily="18" charset="0"/>
               </a:rPr>
               <a:t> : </a:t>
+            </a:r>
+            <a:r>
+              <a:rPr lang="en-US" sz="1400" dirty="0" smtClean="0">
+                <a:solidFill>
+                  <a:schemeClr val="bg2"/>
+                </a:solidFill>
+                <a:latin typeface="Times New Roman" pitchFamily="18" charset="0"/>
+                <a:cs typeface="Times New Roman" pitchFamily="18" charset="0"/>
+                <a:hlinkClick r:id="rId8"/>
+              </a:rPr>
+              <a:t>https://</a:t>
+            </a:r>
+            <a:r>
+              <a:rPr lang="en-US" sz="1400" dirty="0" smtClean="0">
+                <a:solidFill>
+                  <a:schemeClr val="bg2"/>
+                </a:solidFill>
+                <a:latin typeface="Times New Roman" pitchFamily="18" charset="0"/>
+                <a:cs typeface="Times New Roman" pitchFamily="18" charset="0"/>
+                <a:hlinkClick r:id="rId8"/>
+              </a:rPr>
+              <a:t>github.com/Maickery/Ayiti-Analytics-Projects.git</a:t>
+            </a:r>
+            <a:r>
+              <a:rPr lang="en-US" sz="1400" dirty="0" smtClean="0">
+                <a:solidFill>
+                  <a:schemeClr val="bg2"/>
+                </a:solidFill>
+                <a:latin typeface="Times New Roman" pitchFamily="18" charset="0"/>
+                <a:cs typeface="Times New Roman" pitchFamily="18" charset="0"/>
+              </a:rPr>
+              <a:t> </a:t>
             </a:r>
             <a:endParaRPr sz="1400">
               <a:solidFill>
@@ -15304,27 +14851,7 @@
                 <a:latin typeface="Times New Roman" pitchFamily="18" charset="0"/>
                 <a:cs typeface="Times New Roman" pitchFamily="18" charset="0"/>
               </a:rPr>
-              <a:t>We </a:t>
-            </a:r>
-            <a:r>
-              <a:rPr lang="en-US" sz="1800" dirty="0" smtClean="0">
-                <a:solidFill>
-                  <a:schemeClr val="bg2"/>
-                </a:solidFill>
-                <a:latin typeface="Times New Roman" pitchFamily="18" charset="0"/>
-                <a:cs typeface="Times New Roman" pitchFamily="18" charset="0"/>
-              </a:rPr>
-              <a:t>used the database provided by the company to do our analysis</a:t>
-            </a:r>
-            <a:r>
-              <a:rPr lang="en-US" sz="1800" dirty="0" smtClean="0">
-                <a:solidFill>
-                  <a:schemeClr val="bg2"/>
-                </a:solidFill>
-                <a:latin typeface="Times New Roman" pitchFamily="18" charset="0"/>
-                <a:cs typeface="Times New Roman" pitchFamily="18" charset="0"/>
-              </a:rPr>
-              <a:t>.</a:t>
+              <a:t>We used the database provided by the company to do our analysis.</a:t>
             </a:r>
             <a:endParaRPr lang="fr-CA" sz="1800" dirty="0">
               <a:solidFill>
@@ -15346,8 +14873,13 @@
                 <a:latin typeface="Times New Roman" pitchFamily="18" charset="0"/>
                 <a:cs typeface="Times New Roman" pitchFamily="18" charset="0"/>
               </a:rPr>
-              <a:t>We performed the analyzes by grouping the relevant data in order to have a concise overview of the data </a:t>
-            </a:r>
+              <a:t>We performed the analyzes by grouping the relevant data in order to have a concise overview of the data provided.</a:t>
+            </a:r>
+          </a:p>
+          <a:p>
+            <a:pPr marL="0" lvl="0" indent="0" algn="just">
+              <a:buNone/>
+            </a:pPr>
             <a:r>
               <a:rPr lang="en-US" sz="1800" dirty="0" smtClean="0">
                 <a:solidFill>
@@ -15356,32 +14888,7 @@
                 <a:latin typeface="Times New Roman" pitchFamily="18" charset="0"/>
                 <a:cs typeface="Times New Roman" pitchFamily="18" charset="0"/>
               </a:rPr>
-              <a:t>provided.</a:t>
-            </a:r>
-          </a:p>
-          <a:p>
-            <a:pPr marL="0" lvl="0" indent="0" algn="just">
-              <a:buNone/>
-            </a:pPr>
-            <a:r>
-              <a:rPr lang="en-US" sz="1800" dirty="0" smtClean="0">
-                <a:solidFill>
-                  <a:schemeClr val="bg2"/>
-                </a:solidFill>
-                <a:latin typeface="Times New Roman" pitchFamily="18" charset="0"/>
-                <a:cs typeface="Times New Roman" pitchFamily="18" charset="0"/>
-              </a:rPr>
-              <a:t>No data is neglected, all the assumptions are as close as possible to reality and </a:t>
-            </a:r>
-            <a:r>
-              <a:rPr lang="en-US" sz="1800" dirty="0" smtClean="0">
-                <a:solidFill>
-                  <a:schemeClr val="bg2"/>
-                </a:solidFill>
-                <a:latin typeface="Times New Roman" pitchFamily="18" charset="0"/>
-                <a:cs typeface="Times New Roman" pitchFamily="18" charset="0"/>
-              </a:rPr>
-              <a:t>explained.</a:t>
+              <a:t>No data is neglected, all the assumptions are as close as possible to reality and explained.</a:t>
             </a:r>
             <a:endParaRPr lang="fr-CA" sz="1800" dirty="0">
               <a:solidFill>
@@ -15742,7 +15249,7 @@
     </p:spTree>
     <p:extLst>
       <p:ext uri="{BB962C8B-B14F-4D97-AF65-F5344CB8AC3E}">
-        <p14:creationId xmlns="" xmlns:p14="http://schemas.microsoft.com/office/powerpoint/2010/main" val="1411202138"/>
+        <p14:creationId xmlns:p14="http://schemas.microsoft.com/office/powerpoint/2010/main" xmlns="" val="1411202138"/>
       </p:ext>
     </p:extLst>
   </p:cSld>
@@ -15781,7 +15288,7 @@
           <p:cNvPr id="2" name="Title 1">
             <a:extLst>
               <a:ext uri="{FF2B5EF4-FFF2-40B4-BE49-F238E27FC236}">
-                <a16:creationId xmlns="" xmlns:a16="http://schemas.microsoft.com/office/drawing/2014/main" id="{B1FD2FF0-E550-4EA4-B886-DD111F6C0576}"/>
+                <a16:creationId xmlns:a16="http://schemas.microsoft.com/office/drawing/2014/main" xmlns="" id="{B1FD2FF0-E550-4EA4-B886-DD111F6C0576}"/>
               </a:ext>
             </a:extLst>
           </p:cNvPr>
@@ -15828,7 +15335,7 @@
           <p:cNvPr id="3" name="Text Placeholder 2">
             <a:extLst>
               <a:ext uri="{FF2B5EF4-FFF2-40B4-BE49-F238E27FC236}">
-                <a16:creationId xmlns="" xmlns:a16="http://schemas.microsoft.com/office/drawing/2014/main" id="{4D05AC1C-C42A-4E82-A3A3-1CFFF866B163}"/>
+                <a16:creationId xmlns:a16="http://schemas.microsoft.com/office/drawing/2014/main" xmlns="" id="{4D05AC1C-C42A-4E82-A3A3-1CFFF866B163}"/>
               </a:ext>
             </a:extLst>
           </p:cNvPr>
@@ -15943,7 +15450,7 @@
     </p:spTree>
     <p:extLst>
       <p:ext uri="{BB962C8B-B14F-4D97-AF65-F5344CB8AC3E}">
-        <p14:creationId xmlns="" xmlns:p14="http://schemas.microsoft.com/office/powerpoint/2010/main" val="3065836730"/>
+        <p14:creationId xmlns:p14="http://schemas.microsoft.com/office/powerpoint/2010/main" xmlns="" val="3065836730"/>
       </p:ext>
     </p:extLst>
   </p:cSld>
@@ -16058,7 +15565,7 @@
     </p:spTree>
     <p:extLst>
       <p:ext uri="{BB962C8B-B14F-4D97-AF65-F5344CB8AC3E}">
-        <p14:creationId xmlns="" xmlns:p14="http://schemas.microsoft.com/office/powerpoint/2010/main" val="2051290764"/>
+        <p14:creationId xmlns:p14="http://schemas.microsoft.com/office/powerpoint/2010/main" xmlns="" val="2051290764"/>
       </p:ext>
     </p:extLst>
   </p:cSld>
@@ -16149,7 +15656,7 @@
     </p:spTree>
     <p:extLst>
       <p:ext uri="{BB962C8B-B14F-4D97-AF65-F5344CB8AC3E}">
-        <p14:creationId xmlns="" xmlns:p14="http://schemas.microsoft.com/office/powerpoint/2010/main" val="459405349"/>
+        <p14:creationId xmlns:p14="http://schemas.microsoft.com/office/powerpoint/2010/main" xmlns="" val="459405349"/>
       </p:ext>
     </p:extLst>
   </p:cSld>
